--- a/Unet구조.pptx
+++ b/Unet구조.pptx
@@ -4111,7 +4111,7 @@
         <p:spPr>
           <a:xfrm>
             <a:off x="8005714" y="5233430"/>
-            <a:ext cx="769763" cy="230832"/>
+            <a:ext cx="902811" cy="230832"/>
           </a:xfrm>
           <a:prstGeom prst="rect">
             <a:avLst/>
@@ -4125,12 +4125,8 @@
           <a:lstStyle/>
           <a:p>
             <a:r>
-              <a:rPr lang="en-US" altLang="ko-KR" sz="900" dirty="0" err="1"/>
-              <a:t>MaxPool</a:t>
-            </a:r>
-            <a:r>
               <a:rPr lang="en-US" altLang="ko-KR" sz="900" dirty="0"/>
-              <a:t>(2)</a:t>
+              <a:t>MaxPool2d(2)</a:t>
             </a:r>
             <a:endParaRPr lang="ko-KR" altLang="en-US" sz="900" dirty="0"/>
           </a:p>
